--- a/Présentation rapport de stage/Présentation rapport de stage en neurologie.pptx
+++ b/Présentation rapport de stage/Présentation rapport de stage en neurologie.pptx
@@ -3736,14 +3736,21 @@
             <p:ph type="ctrTitle"/>
           </p:nvPr>
         </p:nvSpPr>
-        <p:spPr/>
-        <p:txBody>
-          <a:bodyPr/>
+        <p:spPr>
+          <a:xfrm>
+            <a:off x="2940341" y="2876775"/>
+            <a:ext cx="6311317" cy="758374"/>
+          </a:xfrm>
+        </p:spPr>
+        <p:txBody>
+          <a:bodyPr>
+            <a:normAutofit fontScale="90000"/>
+          </a:bodyPr>
           <a:lstStyle/>
           <a:p>
             <a:r>
               <a:rPr lang="fr-FR" b="1" dirty="0">
-                <a:ln>
+                <a:ln w="19050">
                   <a:solidFill>
                     <a:schemeClr val="tx1"/>
                   </a:solidFill>
@@ -3755,7 +3762,7 @@
               <a:t>Stage en neurologie</a:t>
             </a:r>
             <a:endParaRPr lang="en-GB" b="1" dirty="0">
-              <a:ln>
+              <a:ln w="19050">
                 <a:solidFill>
                   <a:schemeClr val="tx1"/>
                 </a:solidFill>
@@ -3793,12 +3800,14 @@
           </a:effectLst>
         </p:spPr>
         <p:txBody>
-          <a:bodyPr/>
+          <a:bodyPr>
+            <a:normAutofit/>
+          </a:bodyPr>
           <a:lstStyle/>
           <a:p>
             <a:r>
-              <a:rPr lang="fr-FR" b="1" dirty="0">
-                <a:ln>
+              <a:rPr lang="fr-FR" sz="2800" b="1" dirty="0">
+                <a:ln w="12700">
                   <a:solidFill>
                     <a:schemeClr val="tx1"/>
                   </a:solidFill>
@@ -3809,8 +3818,8 @@
               </a:rPr>
               <a:t>Hôpital de Châlon-sur-Saône</a:t>
             </a:r>
-            <a:endParaRPr lang="en-GB" b="1" dirty="0">
-              <a:ln>
+            <a:endParaRPr lang="en-GB" sz="2800" b="1" dirty="0">
+              <a:ln w="12700">
                 <a:solidFill>
                   <a:schemeClr val="tx1"/>
                 </a:solidFill>
@@ -3836,7 +3845,7 @@
         </p:nvSpPr>
         <p:spPr>
           <a:xfrm>
-            <a:off x="0" y="6273225"/>
+            <a:off x="142756" y="5848352"/>
             <a:ext cx="2762488" cy="584775"/>
           </a:xfrm>
           <a:prstGeom prst="rect">
@@ -3852,7 +3861,7 @@
           <a:p>
             <a:r>
               <a:rPr lang="fr-FR" sz="3200" b="1" dirty="0">
-                <a:ln>
+                <a:ln w="12700">
                   <a:solidFill>
                     <a:schemeClr val="tx1"/>
                   </a:solidFill>
@@ -3864,7 +3873,7 @@
               <a:t>Tristan LE PARE</a:t>
             </a:r>
             <a:endParaRPr lang="en-GB" sz="3200" b="1" dirty="0">
-              <a:ln>
+              <a:ln w="12700">
                 <a:solidFill>
                   <a:schemeClr val="tx1"/>
                 </a:solidFill>
@@ -4025,7 +4034,7 @@
           <a:lstStyle/>
           <a:p>
             <a:r>
-              <a:rPr lang="fr-FR" sz="2800" b="1" dirty="0">
+              <a:rPr lang="fr-FR" sz="2800" b="1" u="sng" dirty="0">
                 <a:ln>
                   <a:solidFill>
                     <a:schemeClr val="tx1"/>
@@ -4136,7 +4145,7 @@
                   <a:schemeClr val="bg1"/>
                 </a:solidFill>
               </a:rPr>
-              <a:t>Développement web</a:t>
+              <a:t>BAC+2 développement web</a:t>
             </a:r>
           </a:p>
           <a:p>
@@ -4171,7 +4180,7 @@
                   <a:schemeClr val="bg1"/>
                 </a:solidFill>
               </a:rPr>
-              <a:t>Médiplus</a:t>
+              <a:t>Post-COVID: Médiplus</a:t>
             </a:r>
             <a:endParaRPr lang="en-GB" sz="2000" b="1" dirty="0">
               <a:ln>
@@ -4252,8 +4261,8 @@
         </p:blipFill>
         <p:spPr bwMode="auto">
           <a:xfrm>
-            <a:off x="6538912" y="1383673"/>
-            <a:ext cx="2143125" cy="2143125"/>
+            <a:off x="6689912" y="1205814"/>
+            <a:ext cx="2756091" cy="2756091"/>
           </a:xfrm>
           <a:prstGeom prst="rect">
             <a:avLst/>
@@ -4299,8 +4308,8 @@
         </p:blipFill>
         <p:spPr bwMode="auto">
           <a:xfrm>
-            <a:off x="6096000" y="3615960"/>
-            <a:ext cx="3028950" cy="1514475"/>
+            <a:off x="6122017" y="4453438"/>
+            <a:ext cx="3891882" cy="1945941"/>
           </a:xfrm>
           <a:prstGeom prst="rect">
             <a:avLst/>
@@ -4452,7 +4461,7 @@
         <p:spPr>
           <a:xfrm>
             <a:off x="838200" y="1357746"/>
-            <a:ext cx="5763936" cy="3724096"/>
+            <a:ext cx="5763936" cy="4062651"/>
           </a:xfrm>
           <a:prstGeom prst="rect">
             <a:avLst/>
@@ -4483,7 +4492,7 @@
               <a:defRPr/>
             </a:pPr>
             <a:r>
-              <a:rPr kumimoji="0" lang="fr-FR" sz="2800" b="1" i="0" u="none" strike="noStrike" kern="1200" cap="none" spc="0" normalizeH="0" baseline="0" noProof="0" dirty="0">
+              <a:rPr kumimoji="0" lang="fr-FR" sz="2800" b="1" i="0" u="sng" strike="noStrike" kern="1200" cap="none" spc="0" normalizeH="0" baseline="0" noProof="0" dirty="0">
                 <a:ln>
                   <a:solidFill>
                     <a:prstClr val="black"/>
@@ -4499,7 +4508,7 @@
                 <a:ea typeface="+mn-ea"/>
                 <a:cs typeface="+mn-cs"/>
               </a:rPr>
-              <a:t>Présentation: Médecine et neurologie</a:t>
+              <a:t>Présentation: médecine et neurologie</a:t>
             </a:r>
           </a:p>
           <a:p>
@@ -4628,6 +4637,26 @@
                 <a:latin typeface="Calibri" panose="020F0502020204030204"/>
               </a:rPr>
               <a:t>Aspect intellectuel</a:t>
+            </a:r>
+          </a:p>
+          <a:p>
+            <a:pPr marL="800100" lvl="1" indent="-342900">
+              <a:buFont typeface="Arial" panose="020B0604020202020204" pitchFamily="34" charset="0"/>
+              <a:buChar char="•"/>
+            </a:pPr>
+            <a:r>
+              <a:rPr lang="fr-FR" sz="2200" b="1" dirty="0">
+                <a:ln>
+                  <a:solidFill>
+                    <a:prstClr val="black"/>
+                  </a:solidFill>
+                </a:ln>
+                <a:solidFill>
+                  <a:prstClr val="white"/>
+                </a:solidFill>
+                <a:latin typeface="Calibri" panose="020F0502020204030204"/>
+              </a:rPr>
+              <a:t>Exemples familiaux</a:t>
             </a:r>
           </a:p>
           <a:p>
@@ -4967,7 +4996,7 @@
         <p:spPr>
           <a:xfrm>
             <a:off x="838200" y="1357746"/>
-            <a:ext cx="5370615" cy="4031873"/>
+            <a:ext cx="5370615" cy="4462760"/>
           </a:xfrm>
           <a:prstGeom prst="rect">
             <a:avLst/>
@@ -4998,7 +5027,7 @@
               <a:defRPr/>
             </a:pPr>
             <a:r>
-              <a:rPr kumimoji="0" lang="fr-FR" sz="2800" b="1" i="0" u="none" strike="noStrike" kern="1200" cap="none" spc="0" normalizeH="0" baseline="0" noProof="0" dirty="0">
+              <a:rPr kumimoji="0" lang="fr-FR" sz="2800" b="1" i="0" u="sng" strike="noStrike" kern="1200" cap="none" spc="0" normalizeH="0" baseline="0" noProof="0" dirty="0">
                 <a:ln>
                   <a:solidFill>
                     <a:prstClr val="black"/>
@@ -5014,7 +5043,7 @@
                 <a:ea typeface="+mn-ea"/>
                 <a:cs typeface="+mn-cs"/>
               </a:rPr>
-              <a:t>Organisation</a:t>
+              <a:t>Organisation de l’hôpital</a:t>
             </a:r>
           </a:p>
           <a:p>
@@ -5082,7 +5111,7 @@
                 </a:solidFill>
                 <a:latin typeface="Calibri" panose="020F0502020204030204"/>
               </a:rPr>
-              <a:t>Nombre de patients</a:t>
+              <a:t>Nombre important de patients</a:t>
             </a:r>
           </a:p>
           <a:p>
@@ -5107,7 +5136,7 @@
                 <a:ea typeface="+mn-ea"/>
                 <a:cs typeface="+mn-cs"/>
               </a:rPr>
-              <a:t>Nombre de places</a:t>
+              <a:t>Manque de places</a:t>
             </a:r>
           </a:p>
           <a:p>
@@ -5127,7 +5156,7 @@
                 </a:solidFill>
                 <a:latin typeface="Calibri" panose="020F0502020204030204"/>
               </a:rPr>
-              <a:t>Nombre de personnel soignant</a:t>
+              <a:t>Manque de personnel soignant</a:t>
             </a:r>
           </a:p>
           <a:p>
@@ -5189,7 +5218,7 @@
                 </a:solidFill>
                 <a:latin typeface="Calibri" panose="020F0502020204030204"/>
               </a:rPr>
-              <a:t>Dossiers patients</a:t>
+              <a:t>Dossiers patients incomplets</a:t>
             </a:r>
           </a:p>
           <a:p>
@@ -5214,7 +5243,49 @@
                 <a:ea typeface="+mn-ea"/>
                 <a:cs typeface="+mn-cs"/>
               </a:rPr>
-              <a:t>Administratif</a:t>
+              <a:t>Lenteurs informatiques</a:t>
+            </a:r>
+          </a:p>
+          <a:p>
+            <a:pPr marL="342900" indent="-342900">
+              <a:buFont typeface="Arial" panose="020B0604020202020204" pitchFamily="34" charset="0"/>
+              <a:buChar char="•"/>
+            </a:pPr>
+            <a:endParaRPr lang="fr-FR" sz="2200" b="1" dirty="0">
+              <a:ln>
+                <a:solidFill>
+                  <a:prstClr val="black"/>
+                </a:solidFill>
+              </a:ln>
+              <a:solidFill>
+                <a:prstClr val="white"/>
+              </a:solidFill>
+              <a:latin typeface="Calibri" panose="020F0502020204030204"/>
+            </a:endParaRPr>
+          </a:p>
+          <a:p>
+            <a:pPr marL="342900" indent="-342900">
+              <a:buFont typeface="Arial" panose="020B0604020202020204" pitchFamily="34" charset="0"/>
+              <a:buChar char="•"/>
+            </a:pPr>
+            <a:r>
+              <a:rPr kumimoji="0" lang="fr-FR" sz="2400" b="1" i="0" u="none" strike="noStrike" kern="1200" cap="none" spc="0" normalizeH="0" baseline="0" noProof="0" dirty="0">
+                <a:ln>
+                  <a:solidFill>
+                    <a:prstClr val="black"/>
+                  </a:solidFill>
+                </a:ln>
+                <a:solidFill>
+                  <a:prstClr val="white"/>
+                </a:solidFill>
+                <a:effectLst/>
+                <a:uLnTx/>
+                <a:uFillTx/>
+                <a:latin typeface="Calibri" panose="020F0502020204030204"/>
+                <a:ea typeface="+mn-ea"/>
+                <a:cs typeface="+mn-cs"/>
+              </a:rPr>
+              <a:t>Charge administrative</a:t>
             </a:r>
           </a:p>
           <a:p>
@@ -5239,41 +5310,6 @@
               <a:cs typeface="+mn-cs"/>
             </a:endParaRPr>
           </a:p>
-          <a:p>
-            <a:pPr marL="0" marR="0" lvl="0" indent="0" algn="l" defTabSz="914400" rtl="0" eaLnBrk="1" fontAlgn="auto" latinLnBrk="0" hangingPunct="1">
-              <a:lnSpc>
-                <a:spcPct val="100000"/>
-              </a:lnSpc>
-              <a:spcBef>
-                <a:spcPts val="0"/>
-              </a:spcBef>
-              <a:spcAft>
-                <a:spcPts val="0"/>
-              </a:spcAft>
-              <a:buClrTx/>
-              <a:buSzTx/>
-              <a:buFontTx/>
-              <a:buNone/>
-              <a:tabLst/>
-              <a:defRPr/>
-            </a:pPr>
-            <a:endParaRPr kumimoji="0" lang="en-GB" sz="1800" b="1" i="0" u="none" strike="noStrike" kern="1200" cap="none" spc="0" normalizeH="0" baseline="0" noProof="0" dirty="0">
-              <a:ln>
-                <a:solidFill>
-                  <a:prstClr val="black"/>
-                </a:solidFill>
-              </a:ln>
-              <a:solidFill>
-                <a:prstClr val="white"/>
-              </a:solidFill>
-              <a:effectLst/>
-              <a:uLnTx/>
-              <a:uFillTx/>
-              <a:latin typeface="Calibri" panose="020F0502020204030204"/>
-              <a:ea typeface="+mn-ea"/>
-              <a:cs typeface="+mn-cs"/>
-            </a:endParaRPr>
-          </a:p>
         </p:txBody>
       </p:sp>
       <p:sp>
@@ -5342,7 +5378,7 @@
         </p:blipFill>
         <p:spPr bwMode="auto">
           <a:xfrm>
-            <a:off x="6208815" y="2683309"/>
+            <a:off x="6787655" y="2231006"/>
             <a:ext cx="4260646" cy="2395987"/>
           </a:xfrm>
           <a:prstGeom prst="rect">
@@ -5494,8 +5530,8 @@
         </p:nvSpPr>
         <p:spPr>
           <a:xfrm>
-            <a:off x="838200" y="1357746"/>
-            <a:ext cx="4714056" cy="2646878"/>
+            <a:off x="838199" y="1357746"/>
+            <a:ext cx="8062520" cy="4124206"/>
           </a:xfrm>
           <a:prstGeom prst="rect">
             <a:avLst/>
@@ -5526,7 +5562,7 @@
               <a:defRPr/>
             </a:pPr>
             <a:r>
-              <a:rPr kumimoji="0" lang="fr-FR" sz="2800" b="1" i="0" u="none" strike="noStrike" kern="1200" cap="none" spc="0" normalizeH="0" baseline="0" noProof="0" dirty="0">
+              <a:rPr kumimoji="0" lang="fr-FR" sz="2800" b="1" i="0" u="sng" strike="noStrike" kern="1200" cap="none" spc="0" normalizeH="0" baseline="0" noProof="0" dirty="0">
                 <a:ln>
                   <a:solidFill>
                     <a:prstClr val="black"/>
@@ -5543,6 +5579,79 @@
                 <a:cs typeface="+mn-cs"/>
               </a:rPr>
               <a:t>Soins</a:t>
+            </a:r>
+          </a:p>
+          <a:p>
+            <a:pPr marL="0" marR="0" lvl="0" indent="0" algn="l" defTabSz="914400" rtl="0" eaLnBrk="1" fontAlgn="auto" latinLnBrk="0" hangingPunct="1">
+              <a:lnSpc>
+                <a:spcPct val="100000"/>
+              </a:lnSpc>
+              <a:spcBef>
+                <a:spcPts val="0"/>
+              </a:spcBef>
+              <a:spcAft>
+                <a:spcPts val="0"/>
+              </a:spcAft>
+              <a:buClrTx/>
+              <a:buSzTx/>
+              <a:buFontTx/>
+              <a:buNone/>
+              <a:tabLst/>
+              <a:defRPr/>
+            </a:pPr>
+            <a:endParaRPr kumimoji="0" lang="fr-FR" sz="2400" b="1" i="0" u="none" strike="noStrike" kern="1200" cap="none" spc="0" normalizeH="0" baseline="0" noProof="0" dirty="0">
+              <a:ln>
+                <a:solidFill>
+                  <a:prstClr val="black"/>
+                </a:solidFill>
+              </a:ln>
+              <a:solidFill>
+                <a:prstClr val="white"/>
+              </a:solidFill>
+              <a:effectLst/>
+              <a:uLnTx/>
+              <a:uFillTx/>
+              <a:latin typeface="Calibri" panose="020F0502020204030204"/>
+              <a:ea typeface="+mn-ea"/>
+              <a:cs typeface="+mn-cs"/>
+            </a:endParaRPr>
+          </a:p>
+          <a:p>
+            <a:pPr marL="342900" marR="0" lvl="0" indent="-342900" algn="l" defTabSz="914400" rtl="0" eaLnBrk="1" fontAlgn="auto" latinLnBrk="0" hangingPunct="1">
+              <a:lnSpc>
+                <a:spcPct val="100000"/>
+              </a:lnSpc>
+              <a:spcBef>
+                <a:spcPts val="0"/>
+              </a:spcBef>
+              <a:spcAft>
+                <a:spcPts val="0"/>
+              </a:spcAft>
+              <a:buClrTx/>
+              <a:buSzTx/>
+              <a:buFont typeface="Arial" panose="020B0604020202020204" pitchFamily="34" charset="0"/>
+              <a:buChar char="•"/>
+              <a:tabLst/>
+              <a:defRPr/>
+            </a:pPr>
+            <a:r>
+              <a:rPr kumimoji="0" lang="fr-FR" sz="2400" b="1" i="0" u="none" strike="noStrike" kern="1200" cap="none" spc="0" normalizeH="0" baseline="0" noProof="0" dirty="0">
+                <a:ln>
+                  <a:solidFill>
+                    <a:prstClr val="black"/>
+                  </a:solidFill>
+                </a:ln>
+                <a:solidFill>
+                  <a:prstClr val="white"/>
+                </a:solidFill>
+                <a:effectLst/>
+                <a:uLnTx/>
+                <a:uFillTx/>
+                <a:latin typeface="Calibri" panose="020F0502020204030204"/>
+                <a:ea typeface="+mn-ea"/>
+                <a:cs typeface="+mn-cs"/>
+              </a:rPr>
+              <a:t>Patients nécessitant des soins lourds</a:t>
             </a:r>
           </a:p>
           <a:p>
@@ -5594,14 +5703,14 @@
               <a:defRPr/>
             </a:pPr>
             <a:r>
-              <a:rPr kumimoji="0" lang="fr-FR" sz="2400" b="1" i="0" u="none" strike="noStrike" kern="1200" cap="none" spc="0" normalizeH="0" baseline="0" noProof="0" dirty="0">
+              <a:rPr kumimoji="0" lang="fr-FR" sz="2400" b="1" i="0" u="sng" strike="noStrike" kern="1200" cap="none" spc="0" normalizeH="0" baseline="0" noProof="0" dirty="0">
                 <a:ln>
                   <a:solidFill>
                     <a:prstClr val="black"/>
                   </a:solidFill>
                 </a:ln>
                 <a:solidFill>
-                  <a:prstClr val="white"/>
+                  <a:schemeClr val="bg1"/>
                 </a:solidFill>
                 <a:effectLst/>
                 <a:uLnTx/>
@@ -5610,32 +5719,89 @@
                 <a:ea typeface="+mn-ea"/>
                 <a:cs typeface="+mn-cs"/>
               </a:rPr>
-              <a:t>Patients différents</a:t>
-            </a:r>
-          </a:p>
-          <a:p>
-            <a:pPr marL="800100" lvl="1" indent="-342900">
-              <a:buFont typeface="Arial" panose="020B0604020202020204" pitchFamily="34" charset="0"/>
-              <a:buChar char="•"/>
-            </a:pPr>
-            <a:r>
-              <a:rPr kumimoji="0" lang="fr-FR" sz="2200" b="1" i="0" u="none" strike="noStrike" kern="1200" cap="none" spc="0" normalizeH="0" baseline="0" noProof="0" dirty="0">
+              <a:t>Patient </a:t>
+            </a:r>
+            <a:r>
+              <a:rPr lang="fr-FR" sz="2400" b="1" u="sng" dirty="0">
                 <a:ln>
                   <a:solidFill>
                     <a:prstClr val="black"/>
                   </a:solidFill>
                 </a:ln>
                 <a:solidFill>
+                  <a:schemeClr val="bg1"/>
+                </a:solidFill>
+                <a:latin typeface="Calibri" panose="020F0502020204030204"/>
+              </a:rPr>
+              <a:t>marquant:</a:t>
+            </a:r>
+            <a:r>
+              <a:rPr lang="fr-FR" sz="2400" b="1" dirty="0">
+                <a:ln>
+                  <a:solidFill>
+                    <a:prstClr val="black"/>
+                  </a:solidFill>
+                </a:ln>
+                <a:solidFill>
+                  <a:schemeClr val="bg1"/>
+                </a:solidFill>
+                <a:latin typeface="Calibri" panose="020F0502020204030204"/>
+              </a:rPr>
+              <a:t> </a:t>
+            </a:r>
+            <a:r>
+              <a:rPr lang="fr-FR" sz="2400" b="1" dirty="0">
+                <a:ln>
+                  <a:solidFill>
+                    <a:prstClr val="black"/>
+                  </a:solidFill>
+                </a:ln>
+                <a:solidFill>
                   <a:prstClr val="white"/>
                 </a:solidFill>
-                <a:effectLst/>
-                <a:uLnTx/>
-                <a:uFillTx/>
                 <a:latin typeface="Calibri" panose="020F0502020204030204"/>
-                <a:ea typeface="+mn-ea"/>
-                <a:cs typeface="+mn-cs"/>
               </a:rPr>
-              <a:t>Pathologies variées</a:t>
+              <a:t>névrite optique à anticorps anti-MOG</a:t>
+            </a:r>
+          </a:p>
+          <a:p>
+            <a:pPr marL="800100" lvl="1" indent="-342900">
+              <a:buFont typeface="Arial" panose="020B0604020202020204" pitchFamily="34" charset="0"/>
+              <a:buChar char="•"/>
+            </a:pPr>
+            <a:r>
+              <a:rPr lang="fr-FR" sz="2200" b="1" dirty="0">
+                <a:ln>
+                  <a:solidFill>
+                    <a:prstClr val="black"/>
+                  </a:solidFill>
+                </a:ln>
+                <a:solidFill>
+                  <a:prstClr val="white"/>
+                </a:solidFill>
+                <a:latin typeface="Calibri" panose="020F0502020204030204"/>
+              </a:rPr>
+              <a:t>Maladie auto-immune</a:t>
+            </a:r>
+          </a:p>
+          <a:p>
+            <a:pPr marL="800100" lvl="1" indent="-342900">
+              <a:buFont typeface="Arial" panose="020B0604020202020204" pitchFamily="34" charset="0"/>
+              <a:buChar char="•"/>
+            </a:pPr>
+            <a:r>
+              <a:rPr lang="fr-FR" sz="2200" b="1" dirty="0">
+                <a:ln>
+                  <a:solidFill>
+                    <a:prstClr val="black"/>
+                  </a:solidFill>
+                </a:ln>
+                <a:solidFill>
+                  <a:prstClr val="white"/>
+                </a:solidFill>
+                <a:latin typeface="Calibri" panose="020F0502020204030204"/>
+              </a:rPr>
+              <a:t>Lésion irréversible du nerf optique</a:t>
             </a:r>
           </a:p>
           <a:p>
@@ -5661,7 +5827,7 @@
               <a:buChar char="•"/>
             </a:pPr>
             <a:r>
-              <a:rPr kumimoji="0" lang="fr-FR" sz="2400" b="1" i="0" u="none" strike="noStrike" kern="1200" cap="none" spc="0" normalizeH="0" baseline="0" noProof="0" dirty="0">
+              <a:rPr kumimoji="0" lang="fr-FR" sz="2400" b="1" i="0" u="sng" strike="noStrike" kern="1200" cap="none" spc="0" normalizeH="0" baseline="0" noProof="0" dirty="0">
                 <a:ln>
                   <a:solidFill>
                     <a:prstClr val="black"/>
@@ -5686,6 +5852,25 @@
               <a:buChar char="•"/>
             </a:pPr>
             <a:r>
+              <a:rPr lang="fr-FR" sz="2200" b="1" dirty="0">
+                <a:ln>
+                  <a:solidFill>
+                    <a:prstClr val="black"/>
+                  </a:solidFill>
+                </a:ln>
+                <a:solidFill>
+                  <a:prstClr val="white"/>
+                </a:solidFill>
+              </a:rPr>
+              <a:t>Annonce du handicap lié à la maladie</a:t>
+            </a:r>
+          </a:p>
+          <a:p>
+            <a:pPr marL="800100" lvl="1" indent="-342900">
+              <a:buFont typeface="Arial" panose="020B0604020202020204" pitchFamily="34" charset="0"/>
+              <a:buChar char="•"/>
+            </a:pPr>
+            <a:r>
               <a:rPr kumimoji="0" lang="fr-FR" sz="2200" b="1" i="0" u="none" strike="noStrike" kern="1200" cap="none" spc="0" normalizeH="0" baseline="0" noProof="0" dirty="0">
                 <a:ln>
                   <a:solidFill>
@@ -5702,17 +5887,54 @@
                 <a:ea typeface="+mn-ea"/>
                 <a:cs typeface="+mn-cs"/>
               </a:rPr>
-              <a:t>Risques des traitements</a:t>
-            </a:r>
+              <a:t>Risques du traitement par immunosuppresseurs</a:t>
+            </a:r>
+          </a:p>
+        </p:txBody>
+      </p:sp>
+      <p:sp>
+        <p:nvSpPr>
+          <p:cNvPr id="3" name="Espace réservé du numéro de diapositive 2">
+            <a:extLst>
+              <a:ext uri="{FF2B5EF4-FFF2-40B4-BE49-F238E27FC236}">
+                <a16:creationId xmlns:a16="http://schemas.microsoft.com/office/drawing/2014/main" id="{CF6D43E9-8968-408A-AC4A-D143D4913604}"/>
+              </a:ext>
+            </a:extLst>
+          </p:cNvPr>
+          <p:cNvSpPr>
+            <a:spLocks noGrp="1"/>
+          </p:cNvSpPr>
+          <p:nvPr>
+            <p:ph type="sldNum" sz="quarter" idx="12"/>
+          </p:nvPr>
+        </p:nvSpPr>
+        <p:spPr/>
+        <p:txBody>
+          <a:bodyPr/>
+          <a:lstStyle/>
+          <a:p>
+            <a:fld id="{B2A86DDA-5EDC-40C7-B80E-9FFDEAA6BED5}" type="slidenum">
+              <a:rPr lang="en-GB" sz="1400" smtClean="0">
+                <a:solidFill>
+                  <a:schemeClr val="bg1"/>
+                </a:solidFill>
+              </a:rPr>
+              <a:t>5</a:t>
+            </a:fld>
+            <a:endParaRPr lang="en-GB" dirty="0">
+              <a:solidFill>
+                <a:schemeClr val="bg1"/>
+              </a:solidFill>
+            </a:endParaRPr>
           </a:p>
         </p:txBody>
       </p:sp>
       <p:pic>
         <p:nvPicPr>
-          <p:cNvPr id="1028" name="Picture 4">
-            <a:extLst>
-              <a:ext uri="{FF2B5EF4-FFF2-40B4-BE49-F238E27FC236}">
-                <a16:creationId xmlns:a16="http://schemas.microsoft.com/office/drawing/2014/main" id="{32F4B661-99C5-41C4-8B65-3AF2A0B69BED}"/>
+          <p:cNvPr id="2050" name="Picture 2">
+            <a:extLst>
+              <a:ext uri="{FF2B5EF4-FFF2-40B4-BE49-F238E27FC236}">
+                <a16:creationId xmlns:a16="http://schemas.microsoft.com/office/drawing/2014/main" id="{7DED5366-E8D3-49B8-8606-AF51DDF3164E}"/>
               </a:ext>
             </a:extLst>
           </p:cNvPr>
@@ -5736,8 +5958,8 @@
         </p:blipFill>
         <p:spPr bwMode="auto">
           <a:xfrm>
-            <a:off x="5552256" y="1690688"/>
-            <a:ext cx="6472669" cy="4142508"/>
+            <a:off x="7545755" y="3429000"/>
+            <a:ext cx="4290619" cy="2064860"/>
           </a:xfrm>
           <a:prstGeom prst="rect">
             <a:avLst/>
@@ -5754,43 +5976,6 @@
           </a:extLst>
         </p:spPr>
       </p:pic>
-      <p:sp>
-        <p:nvSpPr>
-          <p:cNvPr id="3" name="Espace réservé du numéro de diapositive 2">
-            <a:extLst>
-              <a:ext uri="{FF2B5EF4-FFF2-40B4-BE49-F238E27FC236}">
-                <a16:creationId xmlns:a16="http://schemas.microsoft.com/office/drawing/2014/main" id="{CF6D43E9-8968-408A-AC4A-D143D4913604}"/>
-              </a:ext>
-            </a:extLst>
-          </p:cNvPr>
-          <p:cNvSpPr>
-            <a:spLocks noGrp="1"/>
-          </p:cNvSpPr>
-          <p:nvPr>
-            <p:ph type="sldNum" sz="quarter" idx="12"/>
-          </p:nvPr>
-        </p:nvSpPr>
-        <p:spPr/>
-        <p:txBody>
-          <a:bodyPr/>
-          <a:lstStyle/>
-          <a:p>
-            <a:fld id="{B2A86DDA-5EDC-40C7-B80E-9FFDEAA6BED5}" type="slidenum">
-              <a:rPr lang="en-GB" sz="1400" smtClean="0">
-                <a:solidFill>
-                  <a:schemeClr val="bg1"/>
-                </a:solidFill>
-              </a:rPr>
-              <a:t>5</a:t>
-            </a:fld>
-            <a:endParaRPr lang="en-GB" dirty="0">
-              <a:solidFill>
-                <a:schemeClr val="bg1"/>
-              </a:solidFill>
-            </a:endParaRPr>
-          </a:p>
-        </p:txBody>
-      </p:sp>
     </p:spTree>
     <p:extLst>
       <p:ext uri="{BB962C8B-B14F-4D97-AF65-F5344CB8AC3E}">
@@ -5926,7 +6111,7 @@
         <p:spPr>
           <a:xfrm>
             <a:off x="838200" y="1357746"/>
-            <a:ext cx="5394820" cy="4462760"/>
+            <a:ext cx="7542402" cy="4462760"/>
           </a:xfrm>
           <a:prstGeom prst="rect">
             <a:avLst/>
@@ -5955,7 +6140,7 @@
               <a:defRPr/>
             </a:pPr>
             <a:r>
-              <a:rPr kumimoji="0" lang="fr-FR" sz="2800" b="1" i="0" u="none" strike="noStrike" kern="1200" cap="none" spc="0" normalizeH="0" baseline="0" noProof="0" dirty="0">
+              <a:rPr kumimoji="0" lang="fr-FR" sz="2800" b="1" i="0" u="sng" strike="noStrike" kern="1200" cap="none" spc="0" normalizeH="0" baseline="0" noProof="0" dirty="0">
                 <a:ln>
                   <a:solidFill>
                     <a:prstClr val="black"/>
@@ -6002,7 +6187,7 @@
                   <a:prstClr val="white"/>
                 </a:solidFill>
               </a:rPr>
-              <a:t>Pathologies neurologiques</a:t>
+              <a:t>Pathologies neurologiques et symptômes (cas des AVC)</a:t>
             </a:r>
           </a:p>
           <a:p>
@@ -6093,7 +6278,7 @@
               <a:defRPr/>
             </a:pPr>
             <a:r>
-              <a:rPr lang="fr-FR" sz="2800" b="1" dirty="0">
+              <a:rPr lang="fr-FR" sz="2800" b="1" u="sng" dirty="0">
                 <a:ln>
                   <a:solidFill>
                     <a:prstClr val="black"/>
@@ -6216,7 +6401,7 @@
               <a:defRPr/>
             </a:pPr>
             <a:r>
-              <a:rPr kumimoji="0" lang="fr-FR" sz="2800" b="1" i="0" u="none" strike="noStrike" kern="1200" cap="none" spc="0" normalizeH="0" baseline="0" noProof="0" dirty="0">
+              <a:rPr kumimoji="0" lang="fr-FR" sz="2800" b="1" i="0" u="sng" strike="noStrike" kern="1200" cap="none" spc="0" normalizeH="0" baseline="0" noProof="0" dirty="0">
                 <a:ln>
                   <a:solidFill>
                     <a:prstClr val="black"/>
@@ -6352,7 +6537,7 @@
                 <a:ea typeface="+mn-ea"/>
                 <a:cs typeface="+mn-cs"/>
               </a:rPr>
-              <a:t>Détachement émotionnel</a:t>
+              <a:t>Enjeux de l’affect pour les cas graves</a:t>
             </a:r>
             <a:endParaRPr kumimoji="0" lang="en-GB" sz="2400" b="1" i="0" u="none" strike="noStrike" kern="1200" cap="none" spc="0" normalizeH="0" baseline="0" noProof="0" dirty="0">
               <a:ln>
@@ -6411,10 +6596,10 @@
       </p:sp>
       <p:pic>
         <p:nvPicPr>
-          <p:cNvPr id="4102" name="Picture 6">
-            <a:extLst>
-              <a:ext uri="{FF2B5EF4-FFF2-40B4-BE49-F238E27FC236}">
-                <a16:creationId xmlns:a16="http://schemas.microsoft.com/office/drawing/2014/main" id="{0195B378-52F3-425B-9DAC-64B24A5738BC}"/>
+          <p:cNvPr id="9" name="Picture 6">
+            <a:extLst>
+              <a:ext uri="{FF2B5EF4-FFF2-40B4-BE49-F238E27FC236}">
+                <a16:creationId xmlns:a16="http://schemas.microsoft.com/office/drawing/2014/main" id="{A74268AB-924A-4AC2-B08B-3F5F397E25BF}"/>
               </a:ext>
             </a:extLst>
           </p:cNvPr>
@@ -6438,8 +6623,55 @@
         </p:blipFill>
         <p:spPr bwMode="auto">
           <a:xfrm>
-            <a:off x="6764325" y="2302893"/>
+            <a:off x="8382000" y="835128"/>
             <a:ext cx="2971800" cy="2695575"/>
+          </a:xfrm>
+          <a:prstGeom prst="rect">
+            <a:avLst/>
+          </a:prstGeom>
+          <a:noFill/>
+          <a:extLst>
+            <a:ext uri="{909E8E84-426E-40DD-AFC4-6F175D3DCCD1}">
+              <a14:hiddenFill xmlns:a14="http://schemas.microsoft.com/office/drawing/2010/main">
+                <a:solidFill>
+                  <a:srgbClr val="FFFFFF"/>
+                </a:solidFill>
+              </a14:hiddenFill>
+            </a:ext>
+          </a:extLst>
+        </p:spPr>
+      </p:pic>
+      <p:pic>
+        <p:nvPicPr>
+          <p:cNvPr id="10" name="Picture 2">
+            <a:extLst>
+              <a:ext uri="{FF2B5EF4-FFF2-40B4-BE49-F238E27FC236}">
+                <a16:creationId xmlns:a16="http://schemas.microsoft.com/office/drawing/2014/main" id="{CA9A88E2-4057-4D2E-9E61-D0F4F82C3429}"/>
+              </a:ext>
+            </a:extLst>
+          </p:cNvPr>
+          <p:cNvPicPr>
+            <a:picLocks noChangeAspect="1" noChangeArrowheads="1"/>
+          </p:cNvPicPr>
+          <p:nvPr/>
+        </p:nvPicPr>
+        <p:blipFill>
+          <a:blip r:embed="rId4">
+            <a:extLst>
+              <a:ext uri="{28A0092B-C50C-407E-A947-70E740481C1C}">
+                <a14:useLocalDpi xmlns:a14="http://schemas.microsoft.com/office/drawing/2010/main" val="0"/>
+              </a:ext>
+            </a:extLst>
+          </a:blip>
+          <a:srcRect/>
+          <a:stretch>
+            <a:fillRect/>
+          </a:stretch>
+        </p:blipFill>
+        <p:spPr bwMode="auto">
+          <a:xfrm>
+            <a:off x="8135585" y="3664015"/>
+            <a:ext cx="3464630" cy="2311619"/>
           </a:xfrm>
           <a:prstGeom prst="rect">
             <a:avLst/>
